--- a/HITESH TECHNICAL Day 1 Journey Book Template 2024.pptx
+++ b/HITESH TECHNICAL Day 1 Journey Book Template 2024.pptx
@@ -8514,8 +8514,8 @@
         </p:nvSpPr>
         <p:spPr>
           <a:xfrm>
-            <a:off x="684269" y="1895340"/>
-            <a:ext cx="10525125" cy="2308324"/>
+            <a:off x="684269" y="2449338"/>
+            <a:ext cx="10525125" cy="1754326"/>
           </a:xfrm>
         </p:spPr>
         <p:txBody>
@@ -8533,13 +8533,8 @@
             </a:br>
             <a:r>
               <a:rPr lang="en-US" sz="4000" dirty="0"/>
-              <a:t>Reflections for Week 1 (29-Aug-2024 </a:t>
-            </a:r>
-            <a:r>
-              <a:rPr lang="en-US" sz="4000"/>
-              <a:t>– 30-Aug-202)</a:t>
-            </a:r>
-            <a:endParaRPr lang="en-US" sz="4000" dirty="0"/>
+              <a:t>Reflections for Day 1 (29-Aug-2024)</a:t>
+            </a:r>
           </a:p>
         </p:txBody>
       </p:sp>
@@ -14065,6 +14060,15 @@
 </file>
 
 <file path=customXml/item1.xml><?xml version="1.0" encoding="utf-8"?>
+<?mso-contentType ?>
+<FormTemplates xmlns="http://schemas.microsoft.com/sharepoint/v3/contenttype/forms">
+  <Display>DocumentLibraryForm</Display>
+  <Edit>DocumentLibraryForm</Edit>
+  <New>DocumentLibraryForm</New>
+</FormTemplates>
+</file>
+
+<file path=customXml/item2.xml><?xml version="1.0" encoding="utf-8"?>
 <ct:contentTypeSchema xmlns:ct="http://schemas.microsoft.com/office/2006/metadata/contentType" xmlns:ma="http://schemas.microsoft.com/office/2006/metadata/properties/metaAttributes" ct:_="" ma:_="" ma:contentTypeName="Document" ma:contentTypeID="0x010100BF23033ADD2CC44581BA464AC24AB4CD" ma:contentTypeVersion="18" ma:contentTypeDescription="Create a new document." ma:contentTypeScope="" ma:versionID="bfa97c90a71db97c80c59ca5c0ffda22">
   <xsd:schema xmlns:xsd="http://www.w3.org/2001/XMLSchema" xmlns:xs="http://www.w3.org/2001/XMLSchema" xmlns:p="http://schemas.microsoft.com/office/2006/metadata/properties" xmlns:ns3="d64320fb-f9a3-4131-8206-9d18da17abe9" xmlns:ns4="489eda54-cdc8-4a48-94a2-8f9cf8024289" targetNamespace="http://schemas.microsoft.com/office/2006/metadata/properties" ma:root="true" ma:fieldsID="be474ca7a15bf1e8a5e4b2eb5ea5d141" ns3:_="" ns4:_="">
     <xsd:import namespace="d64320fb-f9a3-4131-8206-9d18da17abe9"/>
@@ -14317,15 +14321,6 @@
 </ct:contentTypeSchema>
 </file>
 
-<file path=customXml/item2.xml><?xml version="1.0" encoding="utf-8"?>
-<?mso-contentType ?>
-<FormTemplates xmlns="http://schemas.microsoft.com/sharepoint/v3/contenttype/forms">
-  <Display>DocumentLibraryForm</Display>
-  <Edit>DocumentLibraryForm</Edit>
-  <New>DocumentLibraryForm</New>
-</FormTemplates>
-</file>
-
 <file path=customXml/item3.xml><?xml version="1.0" encoding="utf-8"?>
 <p:properties xmlns:p="http://schemas.microsoft.com/office/2006/metadata/properties" xmlns:xsi="http://www.w3.org/2001/XMLSchema-instance" xmlns:pc="http://schemas.microsoft.com/office/infopath/2007/PartnerControls">
   <documentManagement>
@@ -14335,6 +14330,14 @@
 </file>
 
 <file path=customXml/itemProps1.xml><?xml version="1.0" encoding="utf-8"?>
+<ds:datastoreItem xmlns:ds="http://schemas.openxmlformats.org/officeDocument/2006/customXml" ds:itemID="{911617EF-9A33-49DD-BF18-3F75C7B3CC29}">
+  <ds:schemaRefs>
+    <ds:schemaRef ds:uri="http://schemas.microsoft.com/sharepoint/v3/contenttype/forms"/>
+  </ds:schemaRefs>
+</ds:datastoreItem>
+</file>
+
+<file path=customXml/itemProps2.xml><?xml version="1.0" encoding="utf-8"?>
 <ds:datastoreItem xmlns:ds="http://schemas.openxmlformats.org/officeDocument/2006/customXml" ds:itemID="{912B7AD5-CBD7-462B-BC8B-1E0D74017F51}">
   <ds:schemaRefs>
     <ds:schemaRef ds:uri="http://schemas.microsoft.com/office/2006/metadata/contentType"/>
@@ -14349,14 +14352,6 @@
     <ds:schemaRef ds:uri="http://purl.org/dc/elements/1.1/"/>
     <ds:schemaRef ds:uri="http://purl.org/dc/terms/"/>
     <ds:schemaRef ds:uri="http://schemas.microsoft.com/internal/obd"/>
-  </ds:schemaRefs>
-</ds:datastoreItem>
-</file>
-
-<file path=customXml/itemProps2.xml><?xml version="1.0" encoding="utf-8"?>
-<ds:datastoreItem xmlns:ds="http://schemas.openxmlformats.org/officeDocument/2006/customXml" ds:itemID="{911617EF-9A33-49DD-BF18-3F75C7B3CC29}">
-  <ds:schemaRefs>
-    <ds:schemaRef ds:uri="http://schemas.microsoft.com/sharepoint/v3/contenttype/forms"/>
   </ds:schemaRefs>
 </ds:datastoreItem>
 </file>
